--- a/Presentations/Loops - Oct 30.pptx
+++ b/Presentations/Loops - Oct 30.pptx
@@ -5,7 +5,7 @@
     <p:sldMasterId id="2147483681" r:id="rId1"/>
   </p:sldMasterIdLst>
   <p:notesMasterIdLst>
-    <p:notesMasterId r:id="rId15"/>
+    <p:notesMasterId r:id="rId17"/>
   </p:notesMasterIdLst>
   <p:sldIdLst>
     <p:sldId id="256" r:id="rId2"/>
@@ -17,10 +17,12 @@
     <p:sldId id="264" r:id="rId8"/>
     <p:sldId id="265" r:id="rId9"/>
     <p:sldId id="266" r:id="rId10"/>
-    <p:sldId id="267" r:id="rId11"/>
-    <p:sldId id="268" r:id="rId12"/>
-    <p:sldId id="269" r:id="rId13"/>
-    <p:sldId id="270" r:id="rId14"/>
+    <p:sldId id="272" r:id="rId11"/>
+    <p:sldId id="267" r:id="rId12"/>
+    <p:sldId id="268" r:id="rId13"/>
+    <p:sldId id="269" r:id="rId14"/>
+    <p:sldId id="270" r:id="rId15"/>
+    <p:sldId id="271" r:id="rId16"/>
   </p:sldIdLst>
   <p:sldSz cx="12192000" cy="6858000"/>
   <p:notesSz cx="6858000" cy="9144000"/>
@@ -119,7 +121,16 @@
       </a:defRPr>
     </a:lvl9pPr>
   </p:defaultTextStyle>
+  <p:extLst>
+    <p:ext uri="{EFAFB233-063F-42B5-8137-9DF3F51BA10A}">
+      <p15:sldGuideLst xmlns:p15="http://schemas.microsoft.com/office/powerpoint/2012/main"/>
+    </p:ext>
+  </p:extLst>
 </p:presentation>
+</file>
+
+<file path=ppt/revisionInfo.xml><?xml version="1.0" encoding="utf-8"?>
+<p1510:revInfo xmlns:a="http://schemas.openxmlformats.org/drawingml/2006/main" xmlns:r="http://schemas.openxmlformats.org/officeDocument/2006/relationships" xmlns:p1510="http://schemas.microsoft.com/office/powerpoint/2015/10/main"/>
 </file>
 
 <file path=ppt/notesMasters/notesMaster1.xml><?xml version="1.0" encoding="utf-8"?>
@@ -204,7 +215,7 @@
           <a:p>
             <a:fld id="{55127724-6FC1-4BFC-B1D9-72233C53EBF3}" type="datetimeFigureOut">
               <a:rPr lang="en-US" smtClean="0"/>
-              <a:t>10/30/2017</a:t>
+              <a:t>11/6/2017</a:t>
             </a:fld>
             <a:endParaRPr lang="en-US"/>
           </a:p>
@@ -691,8 +702,13 @@
           <a:p>
             <a:r>
               <a:rPr lang="en-US" dirty="0"/>
-              <a:t>Add for-loop (300); For-loop with hover.</a:t>
+              <a:t>Add for-loop (300); Circle size based on </a:t>
             </a:r>
+            <a:r>
+              <a:rPr lang="en-US"/>
+              <a:t>mouse position</a:t>
+            </a:r>
+            <a:endParaRPr lang="en-US" dirty="0"/>
           </a:p>
         </p:txBody>
       </p:sp>
@@ -723,6 +739,90 @@
     <p:extLst>
       <p:ext uri="{BB962C8B-B14F-4D97-AF65-F5344CB8AC3E}">
         <p14:creationId xmlns:p14="http://schemas.microsoft.com/office/powerpoint/2010/main" val="696748255"/>
+      </p:ext>
+    </p:extLst>
+  </p:cSld>
+  <p:clrMapOvr>
+    <a:masterClrMapping/>
+  </p:clrMapOvr>
+</p:notes>
+</file>
+
+<file path=ppt/notesSlides/notesSlide4.xml><?xml version="1.0" encoding="utf-8"?>
+<p:notes xmlns:a="http://schemas.openxmlformats.org/drawingml/2006/main" xmlns:r="http://schemas.openxmlformats.org/officeDocument/2006/relationships" xmlns:p="http://schemas.openxmlformats.org/presentationml/2006/main">
+  <p:cSld>
+    <p:spTree>
+      <p:nvGrpSpPr>
+        <p:cNvPr id="1" name=""/>
+        <p:cNvGrpSpPr/>
+        <p:nvPr/>
+      </p:nvGrpSpPr>
+      <p:grpSpPr>
+        <a:xfrm>
+          <a:off x="0" y="0"/>
+          <a:ext cx="0" cy="0"/>
+          <a:chOff x="0" y="0"/>
+          <a:chExt cx="0" cy="0"/>
+        </a:xfrm>
+      </p:grpSpPr>
+      <p:sp>
+        <p:nvSpPr>
+          <p:cNvPr id="2" name="Slide Image Placeholder 1"/>
+          <p:cNvSpPr>
+            <a:spLocks noGrp="1" noRot="1" noChangeAspect="1"/>
+          </p:cNvSpPr>
+          <p:nvPr>
+            <p:ph type="sldImg"/>
+          </p:nvPr>
+        </p:nvSpPr>
+        <p:spPr/>
+      </p:sp>
+      <p:sp>
+        <p:nvSpPr>
+          <p:cNvPr id="3" name="Notes Placeholder 2"/>
+          <p:cNvSpPr>
+            <a:spLocks noGrp="1"/>
+          </p:cNvSpPr>
+          <p:nvPr>
+            <p:ph type="body" idx="1"/>
+          </p:nvPr>
+        </p:nvSpPr>
+        <p:spPr/>
+        <p:txBody>
+          <a:bodyPr/>
+          <a:lstStyle/>
+          <a:p>
+            <a:endParaRPr lang="en-US" dirty="0"/>
+          </a:p>
+        </p:txBody>
+      </p:sp>
+      <p:sp>
+        <p:nvSpPr>
+          <p:cNvPr id="4" name="Slide Number Placeholder 3"/>
+          <p:cNvSpPr>
+            <a:spLocks noGrp="1"/>
+          </p:cNvSpPr>
+          <p:nvPr>
+            <p:ph type="sldNum" sz="quarter" idx="10"/>
+          </p:nvPr>
+        </p:nvSpPr>
+        <p:spPr/>
+        <p:txBody>
+          <a:bodyPr/>
+          <a:lstStyle/>
+          <a:p>
+            <a:fld id="{8A946340-8920-4872-8348-17BEF6C340FF}" type="slidenum">
+              <a:rPr lang="en-US" smtClean="0"/>
+              <a:t>14</a:t>
+            </a:fld>
+            <a:endParaRPr lang="en-US"/>
+          </a:p>
+        </p:txBody>
+      </p:sp>
+    </p:spTree>
+    <p:extLst>
+      <p:ext uri="{BB962C8B-B14F-4D97-AF65-F5344CB8AC3E}">
+        <p14:creationId xmlns:p14="http://schemas.microsoft.com/office/powerpoint/2010/main" val="2083695039"/>
       </p:ext>
     </p:extLst>
   </p:cSld>
@@ -863,7 +963,7 @@
           <a:p>
             <a:fld id="{48A87A34-81AB-432B-8DAE-1953F412C126}" type="datetimeFigureOut">
               <a:rPr lang="en-US" smtClean="0"/>
-              <a:t>10/30/2017</a:t>
+              <a:t>11/6/2017</a:t>
             </a:fld>
             <a:endParaRPr lang="en-US" dirty="0"/>
           </a:p>
@@ -1033,7 +1133,7 @@
           <a:p>
             <a:fld id="{48A87A34-81AB-432B-8DAE-1953F412C126}" type="datetimeFigureOut">
               <a:rPr lang="en-US" smtClean="0"/>
-              <a:t>10/30/2017</a:t>
+              <a:t>11/6/2017</a:t>
             </a:fld>
             <a:endParaRPr lang="en-US" dirty="0"/>
           </a:p>
@@ -1213,7 +1313,7 @@
           <a:p>
             <a:fld id="{48A87A34-81AB-432B-8DAE-1953F412C126}" type="datetimeFigureOut">
               <a:rPr lang="en-US" smtClean="0"/>
-              <a:t>10/30/2017</a:t>
+              <a:t>11/6/2017</a:t>
             </a:fld>
             <a:endParaRPr lang="en-US" dirty="0"/>
           </a:p>
@@ -1383,7 +1483,7 @@
           <a:p>
             <a:fld id="{48A87A34-81AB-432B-8DAE-1953F412C126}" type="datetimeFigureOut">
               <a:rPr lang="en-US" smtClean="0"/>
-              <a:t>10/30/2017</a:t>
+              <a:t>11/6/2017</a:t>
             </a:fld>
             <a:endParaRPr lang="en-US" dirty="0"/>
           </a:p>
@@ -1629,7 +1729,7 @@
           <a:p>
             <a:fld id="{48A87A34-81AB-432B-8DAE-1953F412C126}" type="datetimeFigureOut">
               <a:rPr lang="en-US" smtClean="0"/>
-              <a:t>10/30/2017</a:t>
+              <a:t>11/6/2017</a:t>
             </a:fld>
             <a:endParaRPr lang="en-US" dirty="0"/>
           </a:p>
@@ -1861,7 +1961,7 @@
           <a:p>
             <a:fld id="{48A87A34-81AB-432B-8DAE-1953F412C126}" type="datetimeFigureOut">
               <a:rPr lang="en-US" smtClean="0"/>
-              <a:t>10/30/2017</a:t>
+              <a:t>11/6/2017</a:t>
             </a:fld>
             <a:endParaRPr lang="en-US" dirty="0"/>
           </a:p>
@@ -2228,7 +2328,7 @@
           <a:p>
             <a:fld id="{48A87A34-81AB-432B-8DAE-1953F412C126}" type="datetimeFigureOut">
               <a:rPr lang="en-US" smtClean="0"/>
-              <a:t>10/30/2017</a:t>
+              <a:t>11/6/2017</a:t>
             </a:fld>
             <a:endParaRPr lang="en-US" dirty="0"/>
           </a:p>
@@ -2346,7 +2446,7 @@
           <a:p>
             <a:fld id="{48A87A34-81AB-432B-8DAE-1953F412C126}" type="datetimeFigureOut">
               <a:rPr lang="en-US" smtClean="0"/>
-              <a:t>10/30/2017</a:t>
+              <a:t>11/6/2017</a:t>
             </a:fld>
             <a:endParaRPr lang="en-US" dirty="0"/>
           </a:p>
@@ -2441,7 +2541,7 @@
           <a:p>
             <a:fld id="{48A87A34-81AB-432B-8DAE-1953F412C126}" type="datetimeFigureOut">
               <a:rPr lang="en-US" smtClean="0"/>
-              <a:t>10/30/2017</a:t>
+              <a:t>11/6/2017</a:t>
             </a:fld>
             <a:endParaRPr lang="en-US" dirty="0"/>
           </a:p>
@@ -2718,7 +2818,7 @@
           <a:p>
             <a:fld id="{48A87A34-81AB-432B-8DAE-1953F412C126}" type="datetimeFigureOut">
               <a:rPr lang="en-US" smtClean="0"/>
-              <a:t>10/30/2017</a:t>
+              <a:t>11/6/2017</a:t>
             </a:fld>
             <a:endParaRPr lang="en-US" dirty="0"/>
           </a:p>
@@ -2975,7 +3075,7 @@
           <a:p>
             <a:fld id="{48A87A34-81AB-432B-8DAE-1953F412C126}" type="datetimeFigureOut">
               <a:rPr lang="en-US" smtClean="0"/>
-              <a:t>10/30/2017</a:t>
+              <a:t>11/6/2017</a:t>
             </a:fld>
             <a:endParaRPr lang="en-US" dirty="0"/>
           </a:p>
@@ -3189,7 +3289,7 @@
             <a:fld id="{48A87A34-81AB-432B-8DAE-1953F412C126}" type="datetimeFigureOut">
               <a:rPr lang="en-US" smtClean="0"/>
               <a:pPr/>
-              <a:t>10/30/2017</a:t>
+              <a:t>11/6/2017</a:t>
             </a:fld>
             <a:endParaRPr lang="en-US" dirty="0"/>
           </a:p>
@@ -3686,6 +3786,98 @@
           <p:cNvPr id="2" name="Title 1">
             <a:extLst>
               <a:ext uri="{FF2B5EF4-FFF2-40B4-BE49-F238E27FC236}">
+                <a16:creationId xmlns:a16="http://schemas.microsoft.com/office/drawing/2014/main" id="{26FA97B6-0EDA-4D30-BCB5-5178974B4B9F}"/>
+              </a:ext>
+            </a:extLst>
+          </p:cNvPr>
+          <p:cNvSpPr>
+            <a:spLocks noGrp="1"/>
+          </p:cNvSpPr>
+          <p:nvPr>
+            <p:ph type="title"/>
+          </p:nvPr>
+        </p:nvSpPr>
+        <p:spPr/>
+        <p:txBody>
+          <a:bodyPr/>
+          <a:lstStyle/>
+          <a:p>
+            <a:r>
+              <a:rPr lang="en-US" dirty="0">
+                <a:hlinkClick r:id="rId2"/>
+              </a:rPr>
+              <a:t>https://cdpn.io/e/qVEwOY</a:t>
+            </a:r>
+            <a:r>
+              <a:rPr lang="en-US" dirty="0"/>
+              <a:t> </a:t>
+            </a:r>
+          </a:p>
+        </p:txBody>
+      </p:sp>
+      <p:sp>
+        <p:nvSpPr>
+          <p:cNvPr id="3" name="Text Placeholder 2">
+            <a:extLst>
+              <a:ext uri="{FF2B5EF4-FFF2-40B4-BE49-F238E27FC236}">
+                <a16:creationId xmlns:a16="http://schemas.microsoft.com/office/drawing/2014/main" id="{FAF72C9D-C75D-4523-B463-6F32F35C5D99}"/>
+              </a:ext>
+            </a:extLst>
+          </p:cNvPr>
+          <p:cNvSpPr>
+            <a:spLocks noGrp="1"/>
+          </p:cNvSpPr>
+          <p:nvPr>
+            <p:ph type="body" idx="1"/>
+          </p:nvPr>
+        </p:nvSpPr>
+        <p:spPr/>
+        <p:txBody>
+          <a:bodyPr/>
+          <a:lstStyle/>
+          <a:p>
+            <a:r>
+              <a:rPr lang="en-US" dirty="0"/>
+              <a:t>If vs. loops example</a:t>
+            </a:r>
+          </a:p>
+        </p:txBody>
+      </p:sp>
+    </p:spTree>
+    <p:extLst>
+      <p:ext uri="{BB962C8B-B14F-4D97-AF65-F5344CB8AC3E}">
+        <p14:creationId xmlns:p14="http://schemas.microsoft.com/office/powerpoint/2010/main" val="3887573510"/>
+      </p:ext>
+    </p:extLst>
+  </p:cSld>
+  <p:clrMapOvr>
+    <a:masterClrMapping/>
+  </p:clrMapOvr>
+</p:sld>
+</file>
+
+<file path=ppt/slides/slide11.xml><?xml version="1.0" encoding="utf-8"?>
+<p:sld xmlns:a="http://schemas.openxmlformats.org/drawingml/2006/main" xmlns:r="http://schemas.openxmlformats.org/officeDocument/2006/relationships" xmlns:p="http://schemas.openxmlformats.org/presentationml/2006/main">
+  <p:cSld>
+    <p:spTree>
+      <p:nvGrpSpPr>
+        <p:cNvPr id="1" name=""/>
+        <p:cNvGrpSpPr/>
+        <p:nvPr/>
+      </p:nvGrpSpPr>
+      <p:grpSpPr>
+        <a:xfrm>
+          <a:off x="0" y="0"/>
+          <a:ext cx="0" cy="0"/>
+          <a:chOff x="0" y="0"/>
+          <a:chExt cx="0" cy="0"/>
+        </a:xfrm>
+      </p:grpSpPr>
+      <p:sp>
+        <p:nvSpPr>
+          <p:cNvPr id="2" name="Title 1">
+            <a:extLst>
+              <a:ext uri="{FF2B5EF4-FFF2-40B4-BE49-F238E27FC236}">
                 <a16:creationId xmlns:a16="http://schemas.microsoft.com/office/drawing/2014/main" id="{5D87D4C3-B50B-441B-AD0E-B2FEF58BB6D9}"/>
               </a:ext>
             </a:extLst>
@@ -4716,7 +4908,7 @@
 </p:sld>
 </file>
 
-<file path=ppt/slides/slide11.xml><?xml version="1.0" encoding="utf-8"?>
+<file path=ppt/slides/slide12.xml><?xml version="1.0" encoding="utf-8"?>
 <p:sld xmlns:a="http://schemas.openxmlformats.org/drawingml/2006/main" xmlns:r="http://schemas.openxmlformats.org/officeDocument/2006/relationships" xmlns:p="http://schemas.openxmlformats.org/presentationml/2006/main">
   <p:cSld>
     <p:spTree>
@@ -5829,7 +6021,7 @@
 </p:sld>
 </file>
 
-<file path=ppt/slides/slide12.xml><?xml version="1.0" encoding="utf-8"?>
+<file path=ppt/slides/slide13.xml><?xml version="1.0" encoding="utf-8"?>
 <p:sld xmlns:a="http://schemas.openxmlformats.org/drawingml/2006/main" xmlns:r="http://schemas.openxmlformats.org/officeDocument/2006/relationships" xmlns:p="http://schemas.openxmlformats.org/presentationml/2006/main">
   <p:cSld>
     <p:spTree>
@@ -8780,7 +8972,7 @@
 </p:sld>
 </file>
 
-<file path=ppt/slides/slide13.xml><?xml version="1.0" encoding="utf-8"?>
+<file path=ppt/slides/slide14.xml><?xml version="1.0" encoding="utf-8"?>
 <p:sld xmlns:a="http://schemas.openxmlformats.org/drawingml/2006/main" xmlns:r="http://schemas.openxmlformats.org/officeDocument/2006/relationships" xmlns:p="http://schemas.openxmlformats.org/presentationml/2006/main">
   <p:cSld>
     <p:spTree>
@@ -20899,28 +21091,92 @@
         </p:nvSpPr>
         <p:spPr>
           <a:xfrm>
-            <a:off x="831850" y="1709738"/>
-            <a:ext cx="10515600" cy="2852737"/>
+            <a:off x="831850" y="308758"/>
+            <a:ext cx="10515600" cy="5025176"/>
           </a:xfrm>
           <a:noFill/>
         </p:spPr>
         <p:txBody>
-          <a:bodyPr/>
-          <a:lstStyle/>
-          <a:p>
+          <a:bodyPr>
+            <a:normAutofit/>
+          </a:bodyPr>
+          <a:lstStyle/>
+          <a:p>
+            <a:r>
+              <a:rPr lang="en-US" dirty="0">
+                <a:hlinkClick r:id="rId3"/>
+              </a:rPr>
+              <a:t>https://cdpn.io/e/MOYROv</a:t>
+            </a:r>
             <a:r>
               <a:rPr lang="en-US" dirty="0"/>
-              <a:t>Try To Add the Hover Colors </a:t>
+              <a:t> </a:t>
             </a:r>
-          </a:p>
-        </p:txBody>
-      </p:sp>
-      <p:sp>
-        <p:nvSpPr>
-          <p:cNvPr id="5" name="Text Placeholder 4">
-            <a:extLst>
-              <a:ext uri="{FF2B5EF4-FFF2-40B4-BE49-F238E27FC236}">
-                <a16:creationId xmlns:a16="http://schemas.microsoft.com/office/drawing/2014/main" id="{2600E788-601B-4F85-9E89-A7F78032A782}"/>
+            <a:br>
+              <a:rPr lang="en-US" dirty="0"/>
+            </a:br>
+            <a:br>
+              <a:rPr lang="en-US" dirty="0"/>
+            </a:br>
+            <a:r>
+              <a:rPr lang="en-US" sz="4400" dirty="0">
+                <a:hlinkClick r:id="rId4"/>
+              </a:rPr>
+              <a:t>https://github.com/crhallberg/IMM120</a:t>
+            </a:r>
+            <a:r>
+              <a:rPr lang="en-US" sz="4400" dirty="0"/>
+              <a:t> </a:t>
+            </a:r>
+            <a:br>
+              <a:rPr lang="en-US" dirty="0"/>
+            </a:br>
+            <a:br>
+              <a:rPr lang="en-US" dirty="0"/>
+            </a:br>
+            <a:r>
+              <a:rPr lang="en-US" dirty="0"/>
+              <a:t>Change the Circles to Squares</a:t>
+            </a:r>
+          </a:p>
+        </p:txBody>
+      </p:sp>
+    </p:spTree>
+    <p:extLst>
+      <p:ext uri="{BB962C8B-B14F-4D97-AF65-F5344CB8AC3E}">
+        <p14:creationId xmlns:p14="http://schemas.microsoft.com/office/powerpoint/2010/main" val="1490137706"/>
+      </p:ext>
+    </p:extLst>
+  </p:cSld>
+  <p:clrMapOvr>
+    <a:masterClrMapping/>
+  </p:clrMapOvr>
+</p:sld>
+</file>
+
+<file path=ppt/slides/slide15.xml><?xml version="1.0" encoding="utf-8"?>
+<p:sld xmlns:a="http://schemas.openxmlformats.org/drawingml/2006/main" xmlns:r="http://schemas.openxmlformats.org/officeDocument/2006/relationships" xmlns:p="http://schemas.openxmlformats.org/presentationml/2006/main">
+  <p:cSld>
+    <p:spTree>
+      <p:nvGrpSpPr>
+        <p:cNvPr id="1" name=""/>
+        <p:cNvGrpSpPr/>
+        <p:nvPr/>
+      </p:nvGrpSpPr>
+      <p:grpSpPr>
+        <a:xfrm>
+          <a:off x="0" y="0"/>
+          <a:ext cx="0" cy="0"/>
+          <a:chOff x="0" y="0"/>
+          <a:chExt cx="0" cy="0"/>
+        </a:xfrm>
+      </p:grpSpPr>
+      <p:sp>
+        <p:nvSpPr>
+          <p:cNvPr id="2" name="Title 1">
+            <a:extLst>
+              <a:ext uri="{FF2B5EF4-FFF2-40B4-BE49-F238E27FC236}">
+                <a16:creationId xmlns:a16="http://schemas.microsoft.com/office/drawing/2014/main" id="{50ED0356-3945-4E87-84CF-1E04FF59ED68}"/>
               </a:ext>
             </a:extLst>
           </p:cNvPr>
@@ -20928,31 +21184,1779 @@
             <a:spLocks noGrp="1"/>
           </p:cNvSpPr>
           <p:nvPr>
-            <p:ph type="body" idx="1"/>
+            <p:ph type="title"/>
           </p:nvPr>
         </p:nvSpPr>
-        <p:spPr>
-          <a:xfrm>
-            <a:off x="831850" y="4589463"/>
-            <a:ext cx="10515600" cy="1500187"/>
-          </a:xfrm>
-          <a:noFill/>
-        </p:spPr>
+        <p:spPr/>
         <p:txBody>
           <a:bodyPr/>
           <a:lstStyle/>
           <a:p>
             <a:r>
               <a:rPr lang="en-US" dirty="0"/>
-              <a:t>Remember your training</a:t>
+              <a:t>No Just For Grids</a:t>
             </a:r>
+          </a:p>
+        </p:txBody>
+      </p:sp>
+      <p:sp>
+        <p:nvSpPr>
+          <p:cNvPr id="4" name="Rectangle 3">
+            <a:extLst>
+              <a:ext uri="{FF2B5EF4-FFF2-40B4-BE49-F238E27FC236}">
+                <a16:creationId xmlns:a16="http://schemas.microsoft.com/office/drawing/2014/main" id="{56D99868-FE8E-42A9-9DF8-2339A983AFF9}"/>
+              </a:ext>
+            </a:extLst>
+          </p:cNvPr>
+          <p:cNvSpPr/>
+          <p:nvPr/>
+        </p:nvSpPr>
+        <p:spPr>
+          <a:xfrm>
+            <a:off x="4950062" y="754571"/>
+            <a:ext cx="2279176" cy="4763069"/>
+          </a:xfrm>
+          <a:prstGeom prst="rect">
+            <a:avLst/>
+          </a:prstGeom>
+          <a:noFill/>
+          <a:ln>
+            <a:solidFill>
+              <a:schemeClr val="tx1">
+                <a:lumMod val="75000"/>
+              </a:schemeClr>
+            </a:solidFill>
+          </a:ln>
+        </p:spPr>
+        <p:style>
+          <a:lnRef idx="2">
+            <a:schemeClr val="accent1">
+              <a:shade val="50000"/>
+            </a:schemeClr>
+          </a:lnRef>
+          <a:fillRef idx="1">
+            <a:schemeClr val="accent1"/>
+          </a:fillRef>
+          <a:effectRef idx="0">
+            <a:schemeClr val="accent1"/>
+          </a:effectRef>
+          <a:fontRef idx="minor">
+            <a:schemeClr val="lt1"/>
+          </a:fontRef>
+        </p:style>
+        <p:txBody>
+          <a:bodyPr rtlCol="0" anchor="ctr"/>
+          <a:lstStyle/>
+          <a:p>
+            <a:pPr algn="ctr"/>
+            <a:endParaRPr lang="en-US"/>
+          </a:p>
+        </p:txBody>
+      </p:sp>
+      <p:sp>
+        <p:nvSpPr>
+          <p:cNvPr id="5" name="Rectangle 4">
+            <a:extLst>
+              <a:ext uri="{FF2B5EF4-FFF2-40B4-BE49-F238E27FC236}">
+                <a16:creationId xmlns:a16="http://schemas.microsoft.com/office/drawing/2014/main" id="{39B6E0DA-B5D0-4310-9C02-AA52FDBF4090}"/>
+              </a:ext>
+            </a:extLst>
+          </p:cNvPr>
+          <p:cNvSpPr/>
+          <p:nvPr/>
+        </p:nvSpPr>
+        <p:spPr>
+          <a:xfrm rot="618497">
+            <a:off x="4950061" y="754570"/>
+            <a:ext cx="2279176" cy="4763069"/>
+          </a:xfrm>
+          <a:prstGeom prst="rect">
+            <a:avLst/>
+          </a:prstGeom>
+          <a:noFill/>
+          <a:ln>
+            <a:solidFill>
+              <a:schemeClr val="tx1">
+                <a:lumMod val="75000"/>
+              </a:schemeClr>
+            </a:solidFill>
+          </a:ln>
+        </p:spPr>
+        <p:style>
+          <a:lnRef idx="2">
+            <a:schemeClr val="accent1">
+              <a:shade val="50000"/>
+            </a:schemeClr>
+          </a:lnRef>
+          <a:fillRef idx="1">
+            <a:schemeClr val="accent1"/>
+          </a:fillRef>
+          <a:effectRef idx="0">
+            <a:schemeClr val="accent1"/>
+          </a:effectRef>
+          <a:fontRef idx="minor">
+            <a:schemeClr val="lt1"/>
+          </a:fontRef>
+        </p:style>
+        <p:txBody>
+          <a:bodyPr rtlCol="0" anchor="ctr"/>
+          <a:lstStyle/>
+          <a:p>
+            <a:pPr algn="ctr"/>
+            <a:endParaRPr lang="en-US"/>
+          </a:p>
+        </p:txBody>
+      </p:sp>
+      <p:sp>
+        <p:nvSpPr>
+          <p:cNvPr id="6" name="Rectangle 5">
+            <a:extLst>
+              <a:ext uri="{FF2B5EF4-FFF2-40B4-BE49-F238E27FC236}">
+                <a16:creationId xmlns:a16="http://schemas.microsoft.com/office/drawing/2014/main" id="{9CAFDF58-0B44-43A1-8D81-E82CE66B53A1}"/>
+              </a:ext>
+            </a:extLst>
+          </p:cNvPr>
+          <p:cNvSpPr/>
+          <p:nvPr/>
+        </p:nvSpPr>
+        <p:spPr>
+          <a:xfrm rot="1355558">
+            <a:off x="4950061" y="754569"/>
+            <a:ext cx="2279176" cy="4763069"/>
+          </a:xfrm>
+          <a:prstGeom prst="rect">
+            <a:avLst/>
+          </a:prstGeom>
+          <a:noFill/>
+          <a:ln>
+            <a:solidFill>
+              <a:schemeClr val="tx1">
+                <a:lumMod val="75000"/>
+              </a:schemeClr>
+            </a:solidFill>
+          </a:ln>
+        </p:spPr>
+        <p:style>
+          <a:lnRef idx="2">
+            <a:schemeClr val="accent1">
+              <a:shade val="50000"/>
+            </a:schemeClr>
+          </a:lnRef>
+          <a:fillRef idx="1">
+            <a:schemeClr val="accent1"/>
+          </a:fillRef>
+          <a:effectRef idx="0">
+            <a:schemeClr val="accent1"/>
+          </a:effectRef>
+          <a:fontRef idx="minor">
+            <a:schemeClr val="lt1"/>
+          </a:fontRef>
+        </p:style>
+        <p:txBody>
+          <a:bodyPr rtlCol="0" anchor="ctr"/>
+          <a:lstStyle/>
+          <a:p>
+            <a:pPr algn="ctr"/>
+            <a:endParaRPr lang="en-US"/>
+          </a:p>
+        </p:txBody>
+      </p:sp>
+      <p:sp>
+        <p:nvSpPr>
+          <p:cNvPr id="7" name="Rectangle 6">
+            <a:extLst>
+              <a:ext uri="{FF2B5EF4-FFF2-40B4-BE49-F238E27FC236}">
+                <a16:creationId xmlns:a16="http://schemas.microsoft.com/office/drawing/2014/main" id="{BEDE79BE-5A6A-4FF8-AD32-3C6E392D5D74}"/>
+              </a:ext>
+            </a:extLst>
+          </p:cNvPr>
+          <p:cNvSpPr/>
+          <p:nvPr/>
+        </p:nvSpPr>
+        <p:spPr>
+          <a:xfrm rot="2054097">
+            <a:off x="4897744" y="691565"/>
+            <a:ext cx="2279176" cy="4763069"/>
+          </a:xfrm>
+          <a:prstGeom prst="rect">
+            <a:avLst/>
+          </a:prstGeom>
+          <a:noFill/>
+          <a:ln>
+            <a:solidFill>
+              <a:schemeClr val="tx1">
+                <a:lumMod val="75000"/>
+              </a:schemeClr>
+            </a:solidFill>
+          </a:ln>
+        </p:spPr>
+        <p:style>
+          <a:lnRef idx="2">
+            <a:schemeClr val="accent1">
+              <a:shade val="50000"/>
+            </a:schemeClr>
+          </a:lnRef>
+          <a:fillRef idx="1">
+            <a:schemeClr val="accent1"/>
+          </a:fillRef>
+          <a:effectRef idx="0">
+            <a:schemeClr val="accent1"/>
+          </a:effectRef>
+          <a:fontRef idx="minor">
+            <a:schemeClr val="lt1"/>
+          </a:fontRef>
+        </p:style>
+        <p:txBody>
+          <a:bodyPr rtlCol="0" anchor="ctr"/>
+          <a:lstStyle/>
+          <a:p>
+            <a:pPr algn="ctr"/>
+            <a:endParaRPr lang="en-US"/>
+          </a:p>
+        </p:txBody>
+      </p:sp>
+      <p:sp>
+        <p:nvSpPr>
+          <p:cNvPr id="8" name="Rectangle 7">
+            <a:extLst>
+              <a:ext uri="{FF2B5EF4-FFF2-40B4-BE49-F238E27FC236}">
+                <a16:creationId xmlns:a16="http://schemas.microsoft.com/office/drawing/2014/main" id="{20FF2DCD-B0DF-4A4A-B548-63FD07784245}"/>
+              </a:ext>
+            </a:extLst>
+          </p:cNvPr>
+          <p:cNvSpPr/>
+          <p:nvPr/>
+        </p:nvSpPr>
+        <p:spPr>
+          <a:xfrm rot="2672594">
+            <a:off x="4897743" y="691564"/>
+            <a:ext cx="2279176" cy="4763069"/>
+          </a:xfrm>
+          <a:prstGeom prst="rect">
+            <a:avLst/>
+          </a:prstGeom>
+          <a:noFill/>
+          <a:ln>
+            <a:solidFill>
+              <a:schemeClr val="tx1">
+                <a:lumMod val="75000"/>
+              </a:schemeClr>
+            </a:solidFill>
+          </a:ln>
+        </p:spPr>
+        <p:style>
+          <a:lnRef idx="2">
+            <a:schemeClr val="accent1">
+              <a:shade val="50000"/>
+            </a:schemeClr>
+          </a:lnRef>
+          <a:fillRef idx="1">
+            <a:schemeClr val="accent1"/>
+          </a:fillRef>
+          <a:effectRef idx="0">
+            <a:schemeClr val="accent1"/>
+          </a:effectRef>
+          <a:fontRef idx="minor">
+            <a:schemeClr val="lt1"/>
+          </a:fontRef>
+        </p:style>
+        <p:txBody>
+          <a:bodyPr rtlCol="0" anchor="ctr"/>
+          <a:lstStyle/>
+          <a:p>
+            <a:pPr algn="ctr"/>
+            <a:endParaRPr lang="en-US"/>
+          </a:p>
+        </p:txBody>
+      </p:sp>
+      <p:sp>
+        <p:nvSpPr>
+          <p:cNvPr id="9" name="Rectangle 8">
+            <a:extLst>
+              <a:ext uri="{FF2B5EF4-FFF2-40B4-BE49-F238E27FC236}">
+                <a16:creationId xmlns:a16="http://schemas.microsoft.com/office/drawing/2014/main" id="{ED104836-DD0B-45BC-AB96-5AFDC52BA781}"/>
+              </a:ext>
+            </a:extLst>
+          </p:cNvPr>
+          <p:cNvSpPr/>
+          <p:nvPr/>
+        </p:nvSpPr>
+        <p:spPr>
+          <a:xfrm rot="3409655">
+            <a:off x="4897743" y="691563"/>
+            <a:ext cx="2279176" cy="4763069"/>
+          </a:xfrm>
+          <a:prstGeom prst="rect">
+            <a:avLst/>
+          </a:prstGeom>
+          <a:noFill/>
+          <a:ln>
+            <a:solidFill>
+              <a:schemeClr val="tx1">
+                <a:lumMod val="75000"/>
+              </a:schemeClr>
+            </a:solidFill>
+          </a:ln>
+        </p:spPr>
+        <p:style>
+          <a:lnRef idx="2">
+            <a:schemeClr val="accent1">
+              <a:shade val="50000"/>
+            </a:schemeClr>
+          </a:lnRef>
+          <a:fillRef idx="1">
+            <a:schemeClr val="accent1"/>
+          </a:fillRef>
+          <a:effectRef idx="0">
+            <a:schemeClr val="accent1"/>
+          </a:effectRef>
+          <a:fontRef idx="minor">
+            <a:schemeClr val="lt1"/>
+          </a:fontRef>
+        </p:style>
+        <p:txBody>
+          <a:bodyPr rtlCol="0" anchor="ctr"/>
+          <a:lstStyle/>
+          <a:p>
+            <a:pPr algn="ctr"/>
+            <a:endParaRPr lang="en-US"/>
+          </a:p>
+        </p:txBody>
+      </p:sp>
+      <p:sp>
+        <p:nvSpPr>
+          <p:cNvPr id="10" name="Oval 9">
+            <a:extLst>
+              <a:ext uri="{FF2B5EF4-FFF2-40B4-BE49-F238E27FC236}">
+                <a16:creationId xmlns:a16="http://schemas.microsoft.com/office/drawing/2014/main" id="{758F6AA6-8194-4C6F-8D9A-BB12B966BD87}"/>
+              </a:ext>
+            </a:extLst>
+          </p:cNvPr>
+          <p:cNvSpPr/>
+          <p:nvPr/>
+        </p:nvSpPr>
+        <p:spPr>
+          <a:xfrm>
+            <a:off x="206741" y="2457304"/>
+            <a:ext cx="276242" cy="276242"/>
+          </a:xfrm>
+          <a:prstGeom prst="ellipse">
+            <a:avLst/>
+          </a:prstGeom>
+          <a:solidFill>
+            <a:schemeClr val="bg1">
+              <a:lumMod val="50000"/>
+              <a:lumOff val="50000"/>
+            </a:schemeClr>
+          </a:solidFill>
+          <a:ln>
+            <a:noFill/>
+          </a:ln>
+        </p:spPr>
+        <p:style>
+          <a:lnRef idx="2">
+            <a:schemeClr val="accent1">
+              <a:shade val="50000"/>
+            </a:schemeClr>
+          </a:lnRef>
+          <a:fillRef idx="1">
+            <a:schemeClr val="accent1"/>
+          </a:fillRef>
+          <a:effectRef idx="0">
+            <a:schemeClr val="accent1"/>
+          </a:effectRef>
+          <a:fontRef idx="minor">
+            <a:schemeClr val="lt1"/>
+          </a:fontRef>
+        </p:style>
+        <p:txBody>
+          <a:bodyPr rtlCol="0" anchor="ctr"/>
+          <a:lstStyle/>
+          <a:p>
+            <a:pPr algn="ctr"/>
+            <a:endParaRPr lang="en-US"/>
+          </a:p>
+        </p:txBody>
+      </p:sp>
+      <p:sp>
+        <p:nvSpPr>
+          <p:cNvPr id="11" name="Oval 10">
+            <a:extLst>
+              <a:ext uri="{FF2B5EF4-FFF2-40B4-BE49-F238E27FC236}">
+                <a16:creationId xmlns:a16="http://schemas.microsoft.com/office/drawing/2014/main" id="{70050231-7348-452D-BBE3-755B37E3731D}"/>
+              </a:ext>
+            </a:extLst>
+          </p:cNvPr>
+          <p:cNvSpPr/>
+          <p:nvPr/>
+        </p:nvSpPr>
+        <p:spPr>
+          <a:xfrm>
+            <a:off x="631084" y="2705543"/>
+            <a:ext cx="276242" cy="276242"/>
+          </a:xfrm>
+          <a:prstGeom prst="ellipse">
+            <a:avLst/>
+          </a:prstGeom>
+          <a:solidFill>
+            <a:schemeClr val="bg1">
+              <a:lumMod val="50000"/>
+              <a:lumOff val="50000"/>
+            </a:schemeClr>
+          </a:solidFill>
+          <a:ln>
+            <a:noFill/>
+          </a:ln>
+        </p:spPr>
+        <p:style>
+          <a:lnRef idx="2">
+            <a:schemeClr val="accent1">
+              <a:shade val="50000"/>
+            </a:schemeClr>
+          </a:lnRef>
+          <a:fillRef idx="1">
+            <a:schemeClr val="accent1"/>
+          </a:fillRef>
+          <a:effectRef idx="0">
+            <a:schemeClr val="accent1"/>
+          </a:effectRef>
+          <a:fontRef idx="minor">
+            <a:schemeClr val="lt1"/>
+          </a:fontRef>
+        </p:style>
+        <p:txBody>
+          <a:bodyPr rtlCol="0" anchor="ctr"/>
+          <a:lstStyle/>
+          <a:p>
+            <a:pPr algn="ctr"/>
+            <a:endParaRPr lang="en-US"/>
+          </a:p>
+        </p:txBody>
+      </p:sp>
+      <p:sp>
+        <p:nvSpPr>
+          <p:cNvPr id="12" name="Oval 11">
+            <a:extLst>
+              <a:ext uri="{FF2B5EF4-FFF2-40B4-BE49-F238E27FC236}">
+                <a16:creationId xmlns:a16="http://schemas.microsoft.com/office/drawing/2014/main" id="{5116F2F7-ED0F-46DD-9E5D-35B7EA89B17F}"/>
+              </a:ext>
+            </a:extLst>
+          </p:cNvPr>
+          <p:cNvSpPr/>
+          <p:nvPr/>
+        </p:nvSpPr>
+        <p:spPr>
+          <a:xfrm>
+            <a:off x="1055427" y="2934976"/>
+            <a:ext cx="276242" cy="276242"/>
+          </a:xfrm>
+          <a:prstGeom prst="ellipse">
+            <a:avLst/>
+          </a:prstGeom>
+          <a:solidFill>
+            <a:schemeClr val="bg1">
+              <a:lumMod val="50000"/>
+              <a:lumOff val="50000"/>
+            </a:schemeClr>
+          </a:solidFill>
+          <a:ln>
+            <a:noFill/>
+          </a:ln>
+        </p:spPr>
+        <p:style>
+          <a:lnRef idx="2">
+            <a:schemeClr val="accent1">
+              <a:shade val="50000"/>
+            </a:schemeClr>
+          </a:lnRef>
+          <a:fillRef idx="1">
+            <a:schemeClr val="accent1"/>
+          </a:fillRef>
+          <a:effectRef idx="0">
+            <a:schemeClr val="accent1"/>
+          </a:effectRef>
+          <a:fontRef idx="minor">
+            <a:schemeClr val="lt1"/>
+          </a:fontRef>
+        </p:style>
+        <p:txBody>
+          <a:bodyPr rtlCol="0" anchor="ctr"/>
+          <a:lstStyle/>
+          <a:p>
+            <a:pPr algn="ctr"/>
+            <a:endParaRPr lang="en-US"/>
+          </a:p>
+        </p:txBody>
+      </p:sp>
+      <p:sp>
+        <p:nvSpPr>
+          <p:cNvPr id="13" name="Oval 12">
+            <a:extLst>
+              <a:ext uri="{FF2B5EF4-FFF2-40B4-BE49-F238E27FC236}">
+                <a16:creationId xmlns:a16="http://schemas.microsoft.com/office/drawing/2014/main" id="{411AC015-6B80-4758-9C7C-F55809C5A736}"/>
+              </a:ext>
+            </a:extLst>
+          </p:cNvPr>
+          <p:cNvSpPr/>
+          <p:nvPr/>
+        </p:nvSpPr>
+        <p:spPr>
+          <a:xfrm>
+            <a:off x="1562055" y="2934976"/>
+            <a:ext cx="276242" cy="276242"/>
+          </a:xfrm>
+          <a:prstGeom prst="ellipse">
+            <a:avLst/>
+          </a:prstGeom>
+          <a:solidFill>
+            <a:schemeClr val="bg1">
+              <a:lumMod val="50000"/>
+              <a:lumOff val="50000"/>
+            </a:schemeClr>
+          </a:solidFill>
+          <a:ln>
+            <a:noFill/>
+          </a:ln>
+        </p:spPr>
+        <p:style>
+          <a:lnRef idx="2">
+            <a:schemeClr val="accent1">
+              <a:shade val="50000"/>
+            </a:schemeClr>
+          </a:lnRef>
+          <a:fillRef idx="1">
+            <a:schemeClr val="accent1"/>
+          </a:fillRef>
+          <a:effectRef idx="0">
+            <a:schemeClr val="accent1"/>
+          </a:effectRef>
+          <a:fontRef idx="minor">
+            <a:schemeClr val="lt1"/>
+          </a:fontRef>
+        </p:style>
+        <p:txBody>
+          <a:bodyPr rtlCol="0" anchor="ctr"/>
+          <a:lstStyle/>
+          <a:p>
+            <a:pPr algn="ctr"/>
+            <a:endParaRPr lang="en-US"/>
+          </a:p>
+        </p:txBody>
+      </p:sp>
+      <p:sp>
+        <p:nvSpPr>
+          <p:cNvPr id="14" name="Oval 13">
+            <a:extLst>
+              <a:ext uri="{FF2B5EF4-FFF2-40B4-BE49-F238E27FC236}">
+                <a16:creationId xmlns:a16="http://schemas.microsoft.com/office/drawing/2014/main" id="{5807352E-65F8-4D07-B428-2640CA6B7321}"/>
+              </a:ext>
+            </a:extLst>
+          </p:cNvPr>
+          <p:cNvSpPr/>
+          <p:nvPr/>
+        </p:nvSpPr>
+        <p:spPr>
+          <a:xfrm>
+            <a:off x="2075049" y="2659441"/>
+            <a:ext cx="276242" cy="276242"/>
+          </a:xfrm>
+          <a:prstGeom prst="ellipse">
+            <a:avLst/>
+          </a:prstGeom>
+          <a:solidFill>
+            <a:schemeClr val="bg1">
+              <a:lumMod val="50000"/>
+              <a:lumOff val="50000"/>
+            </a:schemeClr>
+          </a:solidFill>
+          <a:ln>
+            <a:noFill/>
+          </a:ln>
+        </p:spPr>
+        <p:style>
+          <a:lnRef idx="2">
+            <a:schemeClr val="accent1">
+              <a:shade val="50000"/>
+            </a:schemeClr>
+          </a:lnRef>
+          <a:fillRef idx="1">
+            <a:schemeClr val="accent1"/>
+          </a:fillRef>
+          <a:effectRef idx="0">
+            <a:schemeClr val="accent1"/>
+          </a:effectRef>
+          <a:fontRef idx="minor">
+            <a:schemeClr val="lt1"/>
+          </a:fontRef>
+        </p:style>
+        <p:txBody>
+          <a:bodyPr rtlCol="0" anchor="ctr"/>
+          <a:lstStyle/>
+          <a:p>
+            <a:pPr algn="ctr"/>
+            <a:endParaRPr lang="en-US"/>
+          </a:p>
+        </p:txBody>
+      </p:sp>
+      <p:sp>
+        <p:nvSpPr>
+          <p:cNvPr id="15" name="Oval 14">
+            <a:extLst>
+              <a:ext uri="{FF2B5EF4-FFF2-40B4-BE49-F238E27FC236}">
+                <a16:creationId xmlns:a16="http://schemas.microsoft.com/office/drawing/2014/main" id="{36C38436-FB7F-438B-9F7F-7CB66F238207}"/>
+              </a:ext>
+            </a:extLst>
+          </p:cNvPr>
+          <p:cNvSpPr/>
+          <p:nvPr/>
+        </p:nvSpPr>
+        <p:spPr>
+          <a:xfrm>
+            <a:off x="2552057" y="2319183"/>
+            <a:ext cx="276242" cy="276242"/>
+          </a:xfrm>
+          <a:prstGeom prst="ellipse">
+            <a:avLst/>
+          </a:prstGeom>
+          <a:solidFill>
+            <a:schemeClr val="bg1">
+              <a:lumMod val="50000"/>
+              <a:lumOff val="50000"/>
+            </a:schemeClr>
+          </a:solidFill>
+          <a:ln>
+            <a:noFill/>
+          </a:ln>
+        </p:spPr>
+        <p:style>
+          <a:lnRef idx="2">
+            <a:schemeClr val="accent1">
+              <a:shade val="50000"/>
+            </a:schemeClr>
+          </a:lnRef>
+          <a:fillRef idx="1">
+            <a:schemeClr val="accent1"/>
+          </a:fillRef>
+          <a:effectRef idx="0">
+            <a:schemeClr val="accent1"/>
+          </a:effectRef>
+          <a:fontRef idx="minor">
+            <a:schemeClr val="lt1"/>
+          </a:fontRef>
+        </p:style>
+        <p:txBody>
+          <a:bodyPr rtlCol="0" anchor="ctr"/>
+          <a:lstStyle/>
+          <a:p>
+            <a:pPr algn="ctr"/>
+            <a:endParaRPr lang="en-US"/>
+          </a:p>
+        </p:txBody>
+      </p:sp>
+      <p:sp>
+        <p:nvSpPr>
+          <p:cNvPr id="16" name="Oval 15">
+            <a:extLst>
+              <a:ext uri="{FF2B5EF4-FFF2-40B4-BE49-F238E27FC236}">
+                <a16:creationId xmlns:a16="http://schemas.microsoft.com/office/drawing/2014/main" id="{D097E975-0A68-4B48-BDE4-984A669A0877}"/>
+              </a:ext>
+            </a:extLst>
+          </p:cNvPr>
+          <p:cNvSpPr/>
+          <p:nvPr/>
+        </p:nvSpPr>
+        <p:spPr>
+          <a:xfrm>
+            <a:off x="3019682" y="2182705"/>
+            <a:ext cx="276242" cy="276242"/>
+          </a:xfrm>
+          <a:prstGeom prst="ellipse">
+            <a:avLst/>
+          </a:prstGeom>
+          <a:solidFill>
+            <a:schemeClr val="bg1">
+              <a:lumMod val="50000"/>
+              <a:lumOff val="50000"/>
+            </a:schemeClr>
+          </a:solidFill>
+          <a:ln>
+            <a:noFill/>
+          </a:ln>
+        </p:spPr>
+        <p:style>
+          <a:lnRef idx="2">
+            <a:schemeClr val="accent1">
+              <a:shade val="50000"/>
+            </a:schemeClr>
+          </a:lnRef>
+          <a:fillRef idx="1">
+            <a:schemeClr val="accent1"/>
+          </a:fillRef>
+          <a:effectRef idx="0">
+            <a:schemeClr val="accent1"/>
+          </a:effectRef>
+          <a:fontRef idx="minor">
+            <a:schemeClr val="lt1"/>
+          </a:fontRef>
+        </p:style>
+        <p:txBody>
+          <a:bodyPr rtlCol="0" anchor="ctr"/>
+          <a:lstStyle/>
+          <a:p>
+            <a:pPr algn="ctr"/>
+            <a:endParaRPr lang="en-US"/>
+          </a:p>
+        </p:txBody>
+      </p:sp>
+      <p:sp>
+        <p:nvSpPr>
+          <p:cNvPr id="17" name="Oval 16">
+            <a:extLst>
+              <a:ext uri="{FF2B5EF4-FFF2-40B4-BE49-F238E27FC236}">
+                <a16:creationId xmlns:a16="http://schemas.microsoft.com/office/drawing/2014/main" id="{8CCC7A81-FC80-43ED-907F-86D976D259C2}"/>
+              </a:ext>
+            </a:extLst>
+          </p:cNvPr>
+          <p:cNvSpPr/>
+          <p:nvPr/>
+        </p:nvSpPr>
+        <p:spPr>
+          <a:xfrm>
+            <a:off x="3498366" y="2319183"/>
+            <a:ext cx="276242" cy="276242"/>
+          </a:xfrm>
+          <a:prstGeom prst="ellipse">
+            <a:avLst/>
+          </a:prstGeom>
+          <a:solidFill>
+            <a:schemeClr val="bg1">
+              <a:lumMod val="50000"/>
+              <a:lumOff val="50000"/>
+            </a:schemeClr>
+          </a:solidFill>
+          <a:ln>
+            <a:noFill/>
+          </a:ln>
+        </p:spPr>
+        <p:style>
+          <a:lnRef idx="2">
+            <a:schemeClr val="accent1">
+              <a:shade val="50000"/>
+            </a:schemeClr>
+          </a:lnRef>
+          <a:fillRef idx="1">
+            <a:schemeClr val="accent1"/>
+          </a:fillRef>
+          <a:effectRef idx="0">
+            <a:schemeClr val="accent1"/>
+          </a:effectRef>
+          <a:fontRef idx="minor">
+            <a:schemeClr val="lt1"/>
+          </a:fontRef>
+        </p:style>
+        <p:txBody>
+          <a:bodyPr rtlCol="0" anchor="ctr"/>
+          <a:lstStyle/>
+          <a:p>
+            <a:pPr algn="ctr"/>
+            <a:endParaRPr lang="en-US"/>
+          </a:p>
+        </p:txBody>
+      </p:sp>
+      <p:sp>
+        <p:nvSpPr>
+          <p:cNvPr id="18" name="Oval 17">
+            <a:extLst>
+              <a:ext uri="{FF2B5EF4-FFF2-40B4-BE49-F238E27FC236}">
+                <a16:creationId xmlns:a16="http://schemas.microsoft.com/office/drawing/2014/main" id="{2D6FE7F3-4164-4380-87E5-7229E2A2021D}"/>
+              </a:ext>
+            </a:extLst>
+          </p:cNvPr>
+          <p:cNvSpPr/>
+          <p:nvPr/>
+        </p:nvSpPr>
+        <p:spPr>
+          <a:xfrm>
+            <a:off x="3865580" y="2567422"/>
+            <a:ext cx="276242" cy="276242"/>
+          </a:xfrm>
+          <a:prstGeom prst="ellipse">
+            <a:avLst/>
+          </a:prstGeom>
+          <a:solidFill>
+            <a:schemeClr val="bg1">
+              <a:lumMod val="50000"/>
+              <a:lumOff val="50000"/>
+            </a:schemeClr>
+          </a:solidFill>
+          <a:ln>
+            <a:noFill/>
+          </a:ln>
+        </p:spPr>
+        <p:style>
+          <a:lnRef idx="2">
+            <a:schemeClr val="accent1">
+              <a:shade val="50000"/>
+            </a:schemeClr>
+          </a:lnRef>
+          <a:fillRef idx="1">
+            <a:schemeClr val="accent1"/>
+          </a:fillRef>
+          <a:effectRef idx="0">
+            <a:schemeClr val="accent1"/>
+          </a:effectRef>
+          <a:fontRef idx="minor">
+            <a:schemeClr val="lt1"/>
+          </a:fontRef>
+        </p:style>
+        <p:txBody>
+          <a:bodyPr rtlCol="0" anchor="ctr"/>
+          <a:lstStyle/>
+          <a:p>
+            <a:pPr algn="ctr"/>
+            <a:endParaRPr lang="en-US"/>
+          </a:p>
+        </p:txBody>
+      </p:sp>
+      <p:sp>
+        <p:nvSpPr>
+          <p:cNvPr id="19" name="Oval 18">
+            <a:extLst>
+              <a:ext uri="{FF2B5EF4-FFF2-40B4-BE49-F238E27FC236}">
+                <a16:creationId xmlns:a16="http://schemas.microsoft.com/office/drawing/2014/main" id="{D1B27E9A-22AB-405A-9730-DDE083C2B307}"/>
+              </a:ext>
+            </a:extLst>
+          </p:cNvPr>
+          <p:cNvSpPr/>
+          <p:nvPr/>
+        </p:nvSpPr>
+        <p:spPr>
+          <a:xfrm>
+            <a:off x="4289923" y="2815661"/>
+            <a:ext cx="276242" cy="276242"/>
+          </a:xfrm>
+          <a:prstGeom prst="ellipse">
+            <a:avLst/>
+          </a:prstGeom>
+          <a:solidFill>
+            <a:schemeClr val="bg1">
+              <a:lumMod val="50000"/>
+              <a:lumOff val="50000"/>
+            </a:schemeClr>
+          </a:solidFill>
+          <a:ln>
+            <a:noFill/>
+          </a:ln>
+        </p:spPr>
+        <p:style>
+          <a:lnRef idx="2">
+            <a:schemeClr val="accent1">
+              <a:shade val="50000"/>
+            </a:schemeClr>
+          </a:lnRef>
+          <a:fillRef idx="1">
+            <a:schemeClr val="accent1"/>
+          </a:fillRef>
+          <a:effectRef idx="0">
+            <a:schemeClr val="accent1"/>
+          </a:effectRef>
+          <a:fontRef idx="minor">
+            <a:schemeClr val="lt1"/>
+          </a:fontRef>
+        </p:style>
+        <p:txBody>
+          <a:bodyPr rtlCol="0" anchor="ctr"/>
+          <a:lstStyle/>
+          <a:p>
+            <a:pPr algn="ctr"/>
+            <a:endParaRPr lang="en-US"/>
+          </a:p>
+        </p:txBody>
+      </p:sp>
+      <p:sp>
+        <p:nvSpPr>
+          <p:cNvPr id="20" name="Oval 19">
+            <a:extLst>
+              <a:ext uri="{FF2B5EF4-FFF2-40B4-BE49-F238E27FC236}">
+                <a16:creationId xmlns:a16="http://schemas.microsoft.com/office/drawing/2014/main" id="{154B1E6A-1985-456F-8CA0-CA3FC4C500CC}"/>
+              </a:ext>
+            </a:extLst>
+          </p:cNvPr>
+          <p:cNvSpPr/>
+          <p:nvPr/>
+        </p:nvSpPr>
+        <p:spPr>
+          <a:xfrm>
+            <a:off x="4714266" y="3045094"/>
+            <a:ext cx="276242" cy="276242"/>
+          </a:xfrm>
+          <a:prstGeom prst="ellipse">
+            <a:avLst/>
+          </a:prstGeom>
+          <a:solidFill>
+            <a:schemeClr val="bg1">
+              <a:lumMod val="50000"/>
+              <a:lumOff val="50000"/>
+            </a:schemeClr>
+          </a:solidFill>
+          <a:ln>
+            <a:noFill/>
+          </a:ln>
+        </p:spPr>
+        <p:style>
+          <a:lnRef idx="2">
+            <a:schemeClr val="accent1">
+              <a:shade val="50000"/>
+            </a:schemeClr>
+          </a:lnRef>
+          <a:fillRef idx="1">
+            <a:schemeClr val="accent1"/>
+          </a:fillRef>
+          <a:effectRef idx="0">
+            <a:schemeClr val="accent1"/>
+          </a:effectRef>
+          <a:fontRef idx="minor">
+            <a:schemeClr val="lt1"/>
+          </a:fontRef>
+        </p:style>
+        <p:txBody>
+          <a:bodyPr rtlCol="0" anchor="ctr"/>
+          <a:lstStyle/>
+          <a:p>
+            <a:pPr algn="ctr"/>
+            <a:endParaRPr lang="en-US"/>
+          </a:p>
+        </p:txBody>
+      </p:sp>
+      <p:sp>
+        <p:nvSpPr>
+          <p:cNvPr id="21" name="Oval 20">
+            <a:extLst>
+              <a:ext uri="{FF2B5EF4-FFF2-40B4-BE49-F238E27FC236}">
+                <a16:creationId xmlns:a16="http://schemas.microsoft.com/office/drawing/2014/main" id="{5B8D6DED-5F7C-4BA0-826F-7A0E07A0E747}"/>
+              </a:ext>
+            </a:extLst>
+          </p:cNvPr>
+          <p:cNvSpPr/>
+          <p:nvPr/>
+        </p:nvSpPr>
+        <p:spPr>
+          <a:xfrm>
+            <a:off x="5220894" y="3045094"/>
+            <a:ext cx="276242" cy="276242"/>
+          </a:xfrm>
+          <a:prstGeom prst="ellipse">
+            <a:avLst/>
+          </a:prstGeom>
+          <a:solidFill>
+            <a:schemeClr val="bg1">
+              <a:lumMod val="50000"/>
+              <a:lumOff val="50000"/>
+            </a:schemeClr>
+          </a:solidFill>
+          <a:ln>
+            <a:noFill/>
+          </a:ln>
+        </p:spPr>
+        <p:style>
+          <a:lnRef idx="2">
+            <a:schemeClr val="accent1">
+              <a:shade val="50000"/>
+            </a:schemeClr>
+          </a:lnRef>
+          <a:fillRef idx="1">
+            <a:schemeClr val="accent1"/>
+          </a:fillRef>
+          <a:effectRef idx="0">
+            <a:schemeClr val="accent1"/>
+          </a:effectRef>
+          <a:fontRef idx="minor">
+            <a:schemeClr val="lt1"/>
+          </a:fontRef>
+        </p:style>
+        <p:txBody>
+          <a:bodyPr rtlCol="0" anchor="ctr"/>
+          <a:lstStyle/>
+          <a:p>
+            <a:pPr algn="ctr"/>
+            <a:endParaRPr lang="en-US"/>
+          </a:p>
+        </p:txBody>
+      </p:sp>
+      <p:sp>
+        <p:nvSpPr>
+          <p:cNvPr id="22" name="Oval 21">
+            <a:extLst>
+              <a:ext uri="{FF2B5EF4-FFF2-40B4-BE49-F238E27FC236}">
+                <a16:creationId xmlns:a16="http://schemas.microsoft.com/office/drawing/2014/main" id="{3D9A6D2F-A9DA-4E33-8C64-276A94312E74}"/>
+              </a:ext>
+            </a:extLst>
+          </p:cNvPr>
+          <p:cNvSpPr/>
+          <p:nvPr/>
+        </p:nvSpPr>
+        <p:spPr>
+          <a:xfrm>
+            <a:off x="5733888" y="2769559"/>
+            <a:ext cx="276242" cy="276242"/>
+          </a:xfrm>
+          <a:prstGeom prst="ellipse">
+            <a:avLst/>
+          </a:prstGeom>
+          <a:solidFill>
+            <a:schemeClr val="bg1">
+              <a:lumMod val="50000"/>
+              <a:lumOff val="50000"/>
+            </a:schemeClr>
+          </a:solidFill>
+          <a:ln>
+            <a:noFill/>
+          </a:ln>
+        </p:spPr>
+        <p:style>
+          <a:lnRef idx="2">
+            <a:schemeClr val="accent1">
+              <a:shade val="50000"/>
+            </a:schemeClr>
+          </a:lnRef>
+          <a:fillRef idx="1">
+            <a:schemeClr val="accent1"/>
+          </a:fillRef>
+          <a:effectRef idx="0">
+            <a:schemeClr val="accent1"/>
+          </a:effectRef>
+          <a:fontRef idx="minor">
+            <a:schemeClr val="lt1"/>
+          </a:fontRef>
+        </p:style>
+        <p:txBody>
+          <a:bodyPr rtlCol="0" anchor="ctr"/>
+          <a:lstStyle/>
+          <a:p>
+            <a:pPr algn="ctr"/>
+            <a:endParaRPr lang="en-US"/>
+          </a:p>
+        </p:txBody>
+      </p:sp>
+      <p:sp>
+        <p:nvSpPr>
+          <p:cNvPr id="23" name="Oval 22">
+            <a:extLst>
+              <a:ext uri="{FF2B5EF4-FFF2-40B4-BE49-F238E27FC236}">
+                <a16:creationId xmlns:a16="http://schemas.microsoft.com/office/drawing/2014/main" id="{882A7637-F768-4F17-89C8-9982AF943492}"/>
+              </a:ext>
+            </a:extLst>
+          </p:cNvPr>
+          <p:cNvSpPr/>
+          <p:nvPr/>
+        </p:nvSpPr>
+        <p:spPr>
+          <a:xfrm>
+            <a:off x="6210896" y="2429301"/>
+            <a:ext cx="276242" cy="276242"/>
+          </a:xfrm>
+          <a:prstGeom prst="ellipse">
+            <a:avLst/>
+          </a:prstGeom>
+          <a:solidFill>
+            <a:schemeClr val="bg1">
+              <a:lumMod val="50000"/>
+              <a:lumOff val="50000"/>
+            </a:schemeClr>
+          </a:solidFill>
+          <a:ln>
+            <a:noFill/>
+          </a:ln>
+        </p:spPr>
+        <p:style>
+          <a:lnRef idx="2">
+            <a:schemeClr val="accent1">
+              <a:shade val="50000"/>
+            </a:schemeClr>
+          </a:lnRef>
+          <a:fillRef idx="1">
+            <a:schemeClr val="accent1"/>
+          </a:fillRef>
+          <a:effectRef idx="0">
+            <a:schemeClr val="accent1"/>
+          </a:effectRef>
+          <a:fontRef idx="minor">
+            <a:schemeClr val="lt1"/>
+          </a:fontRef>
+        </p:style>
+        <p:txBody>
+          <a:bodyPr rtlCol="0" anchor="ctr"/>
+          <a:lstStyle/>
+          <a:p>
+            <a:pPr algn="ctr"/>
+            <a:endParaRPr lang="en-US"/>
+          </a:p>
+        </p:txBody>
+      </p:sp>
+      <p:sp>
+        <p:nvSpPr>
+          <p:cNvPr id="24" name="Oval 23">
+            <a:extLst>
+              <a:ext uri="{FF2B5EF4-FFF2-40B4-BE49-F238E27FC236}">
+                <a16:creationId xmlns:a16="http://schemas.microsoft.com/office/drawing/2014/main" id="{67423FA0-4B36-40E6-AC20-C15F9361D576}"/>
+              </a:ext>
+            </a:extLst>
+          </p:cNvPr>
+          <p:cNvSpPr/>
+          <p:nvPr/>
+        </p:nvSpPr>
+        <p:spPr>
+          <a:xfrm>
+            <a:off x="6678521" y="2292823"/>
+            <a:ext cx="276242" cy="276242"/>
+          </a:xfrm>
+          <a:prstGeom prst="ellipse">
+            <a:avLst/>
+          </a:prstGeom>
+          <a:solidFill>
+            <a:schemeClr val="bg1">
+              <a:lumMod val="50000"/>
+              <a:lumOff val="50000"/>
+            </a:schemeClr>
+          </a:solidFill>
+          <a:ln>
+            <a:noFill/>
+          </a:ln>
+        </p:spPr>
+        <p:style>
+          <a:lnRef idx="2">
+            <a:schemeClr val="accent1">
+              <a:shade val="50000"/>
+            </a:schemeClr>
+          </a:lnRef>
+          <a:fillRef idx="1">
+            <a:schemeClr val="accent1"/>
+          </a:fillRef>
+          <a:effectRef idx="0">
+            <a:schemeClr val="accent1"/>
+          </a:effectRef>
+          <a:fontRef idx="minor">
+            <a:schemeClr val="lt1"/>
+          </a:fontRef>
+        </p:style>
+        <p:txBody>
+          <a:bodyPr rtlCol="0" anchor="ctr"/>
+          <a:lstStyle/>
+          <a:p>
+            <a:pPr algn="ctr"/>
+            <a:endParaRPr lang="en-US"/>
+          </a:p>
+        </p:txBody>
+      </p:sp>
+      <p:sp>
+        <p:nvSpPr>
+          <p:cNvPr id="25" name="Oval 24">
+            <a:extLst>
+              <a:ext uri="{FF2B5EF4-FFF2-40B4-BE49-F238E27FC236}">
+                <a16:creationId xmlns:a16="http://schemas.microsoft.com/office/drawing/2014/main" id="{E86F335A-5863-47E3-97A7-04F260E7907A}"/>
+              </a:ext>
+            </a:extLst>
+          </p:cNvPr>
+          <p:cNvSpPr/>
+          <p:nvPr/>
+        </p:nvSpPr>
+        <p:spPr>
+          <a:xfrm>
+            <a:off x="7157205" y="2429301"/>
+            <a:ext cx="276242" cy="276242"/>
+          </a:xfrm>
+          <a:prstGeom prst="ellipse">
+            <a:avLst/>
+          </a:prstGeom>
+          <a:solidFill>
+            <a:schemeClr val="bg1">
+              <a:lumMod val="50000"/>
+              <a:lumOff val="50000"/>
+            </a:schemeClr>
+          </a:solidFill>
+          <a:ln>
+            <a:noFill/>
+          </a:ln>
+        </p:spPr>
+        <p:style>
+          <a:lnRef idx="2">
+            <a:schemeClr val="accent1">
+              <a:shade val="50000"/>
+            </a:schemeClr>
+          </a:lnRef>
+          <a:fillRef idx="1">
+            <a:schemeClr val="accent1"/>
+          </a:fillRef>
+          <a:effectRef idx="0">
+            <a:schemeClr val="accent1"/>
+          </a:effectRef>
+          <a:fontRef idx="minor">
+            <a:schemeClr val="lt1"/>
+          </a:fontRef>
+        </p:style>
+        <p:txBody>
+          <a:bodyPr rtlCol="0" anchor="ctr"/>
+          <a:lstStyle/>
+          <a:p>
+            <a:pPr algn="ctr"/>
+            <a:endParaRPr lang="en-US"/>
+          </a:p>
+        </p:txBody>
+      </p:sp>
+      <p:sp>
+        <p:nvSpPr>
+          <p:cNvPr id="26" name="Oval 25">
+            <a:extLst>
+              <a:ext uri="{FF2B5EF4-FFF2-40B4-BE49-F238E27FC236}">
+                <a16:creationId xmlns:a16="http://schemas.microsoft.com/office/drawing/2014/main" id="{69FA388D-1C40-4CD4-8B6C-097CD676F6A2}"/>
+              </a:ext>
+            </a:extLst>
+          </p:cNvPr>
+          <p:cNvSpPr/>
+          <p:nvPr/>
+        </p:nvSpPr>
+        <p:spPr>
+          <a:xfrm>
+            <a:off x="7551513" y="2705543"/>
+            <a:ext cx="276242" cy="276242"/>
+          </a:xfrm>
+          <a:prstGeom prst="ellipse">
+            <a:avLst/>
+          </a:prstGeom>
+          <a:solidFill>
+            <a:schemeClr val="bg1">
+              <a:lumMod val="50000"/>
+              <a:lumOff val="50000"/>
+            </a:schemeClr>
+          </a:solidFill>
+          <a:ln>
+            <a:noFill/>
+          </a:ln>
+        </p:spPr>
+        <p:style>
+          <a:lnRef idx="2">
+            <a:schemeClr val="accent1">
+              <a:shade val="50000"/>
+            </a:schemeClr>
+          </a:lnRef>
+          <a:fillRef idx="1">
+            <a:schemeClr val="accent1"/>
+          </a:fillRef>
+          <a:effectRef idx="0">
+            <a:schemeClr val="accent1"/>
+          </a:effectRef>
+          <a:fontRef idx="minor">
+            <a:schemeClr val="lt1"/>
+          </a:fontRef>
+        </p:style>
+        <p:txBody>
+          <a:bodyPr rtlCol="0" anchor="ctr"/>
+          <a:lstStyle/>
+          <a:p>
+            <a:pPr algn="ctr"/>
+            <a:endParaRPr lang="en-US"/>
+          </a:p>
+        </p:txBody>
+      </p:sp>
+      <p:sp>
+        <p:nvSpPr>
+          <p:cNvPr id="27" name="Oval 26">
+            <a:extLst>
+              <a:ext uri="{FF2B5EF4-FFF2-40B4-BE49-F238E27FC236}">
+                <a16:creationId xmlns:a16="http://schemas.microsoft.com/office/drawing/2014/main" id="{A3811C06-9CD6-4E6C-9B36-AC18A3107926}"/>
+              </a:ext>
+            </a:extLst>
+          </p:cNvPr>
+          <p:cNvSpPr/>
+          <p:nvPr/>
+        </p:nvSpPr>
+        <p:spPr>
+          <a:xfrm>
+            <a:off x="7975856" y="2953782"/>
+            <a:ext cx="276242" cy="276242"/>
+          </a:xfrm>
+          <a:prstGeom prst="ellipse">
+            <a:avLst/>
+          </a:prstGeom>
+          <a:solidFill>
+            <a:schemeClr val="bg1">
+              <a:lumMod val="50000"/>
+              <a:lumOff val="50000"/>
+            </a:schemeClr>
+          </a:solidFill>
+          <a:ln>
+            <a:noFill/>
+          </a:ln>
+        </p:spPr>
+        <p:style>
+          <a:lnRef idx="2">
+            <a:schemeClr val="accent1">
+              <a:shade val="50000"/>
+            </a:schemeClr>
+          </a:lnRef>
+          <a:fillRef idx="1">
+            <a:schemeClr val="accent1"/>
+          </a:fillRef>
+          <a:effectRef idx="0">
+            <a:schemeClr val="accent1"/>
+          </a:effectRef>
+          <a:fontRef idx="minor">
+            <a:schemeClr val="lt1"/>
+          </a:fontRef>
+        </p:style>
+        <p:txBody>
+          <a:bodyPr rtlCol="0" anchor="ctr"/>
+          <a:lstStyle/>
+          <a:p>
+            <a:pPr algn="ctr"/>
+            <a:endParaRPr lang="en-US"/>
+          </a:p>
+        </p:txBody>
+      </p:sp>
+      <p:sp>
+        <p:nvSpPr>
+          <p:cNvPr id="28" name="Oval 27">
+            <a:extLst>
+              <a:ext uri="{FF2B5EF4-FFF2-40B4-BE49-F238E27FC236}">
+                <a16:creationId xmlns:a16="http://schemas.microsoft.com/office/drawing/2014/main" id="{64D3A02C-9D4A-4526-8C7D-FB1B41B1B994}"/>
+              </a:ext>
+            </a:extLst>
+          </p:cNvPr>
+          <p:cNvSpPr/>
+          <p:nvPr/>
+        </p:nvSpPr>
+        <p:spPr>
+          <a:xfrm>
+            <a:off x="8400199" y="3183215"/>
+            <a:ext cx="276242" cy="276242"/>
+          </a:xfrm>
+          <a:prstGeom prst="ellipse">
+            <a:avLst/>
+          </a:prstGeom>
+          <a:solidFill>
+            <a:schemeClr val="bg1">
+              <a:lumMod val="50000"/>
+              <a:lumOff val="50000"/>
+            </a:schemeClr>
+          </a:solidFill>
+          <a:ln>
+            <a:noFill/>
+          </a:ln>
+        </p:spPr>
+        <p:style>
+          <a:lnRef idx="2">
+            <a:schemeClr val="accent1">
+              <a:shade val="50000"/>
+            </a:schemeClr>
+          </a:lnRef>
+          <a:fillRef idx="1">
+            <a:schemeClr val="accent1"/>
+          </a:fillRef>
+          <a:effectRef idx="0">
+            <a:schemeClr val="accent1"/>
+          </a:effectRef>
+          <a:fontRef idx="minor">
+            <a:schemeClr val="lt1"/>
+          </a:fontRef>
+        </p:style>
+        <p:txBody>
+          <a:bodyPr rtlCol="0" anchor="ctr"/>
+          <a:lstStyle/>
+          <a:p>
+            <a:pPr algn="ctr"/>
+            <a:endParaRPr lang="en-US"/>
+          </a:p>
+        </p:txBody>
+      </p:sp>
+      <p:sp>
+        <p:nvSpPr>
+          <p:cNvPr id="29" name="Oval 28">
+            <a:extLst>
+              <a:ext uri="{FF2B5EF4-FFF2-40B4-BE49-F238E27FC236}">
+                <a16:creationId xmlns:a16="http://schemas.microsoft.com/office/drawing/2014/main" id="{E2056EF8-9C6C-4BBD-B501-2937A3080427}"/>
+              </a:ext>
+            </a:extLst>
+          </p:cNvPr>
+          <p:cNvSpPr/>
+          <p:nvPr/>
+        </p:nvSpPr>
+        <p:spPr>
+          <a:xfrm>
+            <a:off x="8906827" y="3183215"/>
+            <a:ext cx="276242" cy="276242"/>
+          </a:xfrm>
+          <a:prstGeom prst="ellipse">
+            <a:avLst/>
+          </a:prstGeom>
+          <a:solidFill>
+            <a:schemeClr val="bg1">
+              <a:lumMod val="50000"/>
+              <a:lumOff val="50000"/>
+            </a:schemeClr>
+          </a:solidFill>
+          <a:ln>
+            <a:noFill/>
+          </a:ln>
+        </p:spPr>
+        <p:style>
+          <a:lnRef idx="2">
+            <a:schemeClr val="accent1">
+              <a:shade val="50000"/>
+            </a:schemeClr>
+          </a:lnRef>
+          <a:fillRef idx="1">
+            <a:schemeClr val="accent1"/>
+          </a:fillRef>
+          <a:effectRef idx="0">
+            <a:schemeClr val="accent1"/>
+          </a:effectRef>
+          <a:fontRef idx="minor">
+            <a:schemeClr val="lt1"/>
+          </a:fontRef>
+        </p:style>
+        <p:txBody>
+          <a:bodyPr rtlCol="0" anchor="ctr"/>
+          <a:lstStyle/>
+          <a:p>
+            <a:pPr algn="ctr"/>
+            <a:endParaRPr lang="en-US"/>
+          </a:p>
+        </p:txBody>
+      </p:sp>
+      <p:sp>
+        <p:nvSpPr>
+          <p:cNvPr id="30" name="Oval 29">
+            <a:extLst>
+              <a:ext uri="{FF2B5EF4-FFF2-40B4-BE49-F238E27FC236}">
+                <a16:creationId xmlns:a16="http://schemas.microsoft.com/office/drawing/2014/main" id="{097725DC-7E59-4676-96CD-41E83C911FB9}"/>
+              </a:ext>
+            </a:extLst>
+          </p:cNvPr>
+          <p:cNvSpPr/>
+          <p:nvPr/>
+        </p:nvSpPr>
+        <p:spPr>
+          <a:xfrm>
+            <a:off x="9419821" y="2907680"/>
+            <a:ext cx="276242" cy="276242"/>
+          </a:xfrm>
+          <a:prstGeom prst="ellipse">
+            <a:avLst/>
+          </a:prstGeom>
+          <a:solidFill>
+            <a:schemeClr val="bg1">
+              <a:lumMod val="50000"/>
+              <a:lumOff val="50000"/>
+            </a:schemeClr>
+          </a:solidFill>
+          <a:ln>
+            <a:noFill/>
+          </a:ln>
+        </p:spPr>
+        <p:style>
+          <a:lnRef idx="2">
+            <a:schemeClr val="accent1">
+              <a:shade val="50000"/>
+            </a:schemeClr>
+          </a:lnRef>
+          <a:fillRef idx="1">
+            <a:schemeClr val="accent1"/>
+          </a:fillRef>
+          <a:effectRef idx="0">
+            <a:schemeClr val="accent1"/>
+          </a:effectRef>
+          <a:fontRef idx="minor">
+            <a:schemeClr val="lt1"/>
+          </a:fontRef>
+        </p:style>
+        <p:txBody>
+          <a:bodyPr rtlCol="0" anchor="ctr"/>
+          <a:lstStyle/>
+          <a:p>
+            <a:pPr algn="ctr"/>
+            <a:endParaRPr lang="en-US"/>
+          </a:p>
+        </p:txBody>
+      </p:sp>
+      <p:sp>
+        <p:nvSpPr>
+          <p:cNvPr id="31" name="Oval 30">
+            <a:extLst>
+              <a:ext uri="{FF2B5EF4-FFF2-40B4-BE49-F238E27FC236}">
+                <a16:creationId xmlns:a16="http://schemas.microsoft.com/office/drawing/2014/main" id="{A36E33EA-89A5-4FBF-9A9C-8D53B8BE1CC5}"/>
+              </a:ext>
+            </a:extLst>
+          </p:cNvPr>
+          <p:cNvSpPr/>
+          <p:nvPr/>
+        </p:nvSpPr>
+        <p:spPr>
+          <a:xfrm>
+            <a:off x="9896829" y="2567422"/>
+            <a:ext cx="276242" cy="276242"/>
+          </a:xfrm>
+          <a:prstGeom prst="ellipse">
+            <a:avLst/>
+          </a:prstGeom>
+          <a:solidFill>
+            <a:schemeClr val="bg1">
+              <a:lumMod val="50000"/>
+              <a:lumOff val="50000"/>
+            </a:schemeClr>
+          </a:solidFill>
+          <a:ln>
+            <a:noFill/>
+          </a:ln>
+        </p:spPr>
+        <p:style>
+          <a:lnRef idx="2">
+            <a:schemeClr val="accent1">
+              <a:shade val="50000"/>
+            </a:schemeClr>
+          </a:lnRef>
+          <a:fillRef idx="1">
+            <a:schemeClr val="accent1"/>
+          </a:fillRef>
+          <a:effectRef idx="0">
+            <a:schemeClr val="accent1"/>
+          </a:effectRef>
+          <a:fontRef idx="minor">
+            <a:schemeClr val="lt1"/>
+          </a:fontRef>
+        </p:style>
+        <p:txBody>
+          <a:bodyPr rtlCol="0" anchor="ctr"/>
+          <a:lstStyle/>
+          <a:p>
+            <a:pPr algn="ctr"/>
+            <a:endParaRPr lang="en-US"/>
+          </a:p>
+        </p:txBody>
+      </p:sp>
+      <p:sp>
+        <p:nvSpPr>
+          <p:cNvPr id="32" name="Oval 31">
+            <a:extLst>
+              <a:ext uri="{FF2B5EF4-FFF2-40B4-BE49-F238E27FC236}">
+                <a16:creationId xmlns:a16="http://schemas.microsoft.com/office/drawing/2014/main" id="{330FDAF4-B02C-4858-B966-C677375DFE2A}"/>
+              </a:ext>
+            </a:extLst>
+          </p:cNvPr>
+          <p:cNvSpPr/>
+          <p:nvPr/>
+        </p:nvSpPr>
+        <p:spPr>
+          <a:xfrm>
+            <a:off x="10364454" y="2430944"/>
+            <a:ext cx="276242" cy="276242"/>
+          </a:xfrm>
+          <a:prstGeom prst="ellipse">
+            <a:avLst/>
+          </a:prstGeom>
+          <a:solidFill>
+            <a:schemeClr val="bg1">
+              <a:lumMod val="50000"/>
+              <a:lumOff val="50000"/>
+            </a:schemeClr>
+          </a:solidFill>
+          <a:ln>
+            <a:noFill/>
+          </a:ln>
+        </p:spPr>
+        <p:style>
+          <a:lnRef idx="2">
+            <a:schemeClr val="accent1">
+              <a:shade val="50000"/>
+            </a:schemeClr>
+          </a:lnRef>
+          <a:fillRef idx="1">
+            <a:schemeClr val="accent1"/>
+          </a:fillRef>
+          <a:effectRef idx="0">
+            <a:schemeClr val="accent1"/>
+          </a:effectRef>
+          <a:fontRef idx="minor">
+            <a:schemeClr val="lt1"/>
+          </a:fontRef>
+        </p:style>
+        <p:txBody>
+          <a:bodyPr rtlCol="0" anchor="ctr"/>
+          <a:lstStyle/>
+          <a:p>
+            <a:pPr algn="ctr"/>
+            <a:endParaRPr lang="en-US"/>
+          </a:p>
+        </p:txBody>
+      </p:sp>
+      <p:sp>
+        <p:nvSpPr>
+          <p:cNvPr id="33" name="Oval 32">
+            <a:extLst>
+              <a:ext uri="{FF2B5EF4-FFF2-40B4-BE49-F238E27FC236}">
+                <a16:creationId xmlns:a16="http://schemas.microsoft.com/office/drawing/2014/main" id="{89D9E8DE-AC22-4E3B-91DD-588FDCFD6AA6}"/>
+              </a:ext>
+            </a:extLst>
+          </p:cNvPr>
+          <p:cNvSpPr/>
+          <p:nvPr/>
+        </p:nvSpPr>
+        <p:spPr>
+          <a:xfrm>
+            <a:off x="10843138" y="2567422"/>
+            <a:ext cx="276242" cy="276242"/>
+          </a:xfrm>
+          <a:prstGeom prst="ellipse">
+            <a:avLst/>
+          </a:prstGeom>
+          <a:solidFill>
+            <a:schemeClr val="bg1">
+              <a:lumMod val="50000"/>
+              <a:lumOff val="50000"/>
+            </a:schemeClr>
+          </a:solidFill>
+          <a:ln>
+            <a:noFill/>
+          </a:ln>
+        </p:spPr>
+        <p:style>
+          <a:lnRef idx="2">
+            <a:schemeClr val="accent1">
+              <a:shade val="50000"/>
+            </a:schemeClr>
+          </a:lnRef>
+          <a:fillRef idx="1">
+            <a:schemeClr val="accent1"/>
+          </a:fillRef>
+          <a:effectRef idx="0">
+            <a:schemeClr val="accent1"/>
+          </a:effectRef>
+          <a:fontRef idx="minor">
+            <a:schemeClr val="lt1"/>
+          </a:fontRef>
+        </p:style>
+        <p:txBody>
+          <a:bodyPr rtlCol="0" anchor="ctr"/>
+          <a:lstStyle/>
+          <a:p>
+            <a:pPr algn="ctr"/>
+            <a:endParaRPr lang="en-US"/>
+          </a:p>
+        </p:txBody>
+      </p:sp>
+      <p:sp>
+        <p:nvSpPr>
+          <p:cNvPr id="34" name="Oval 33">
+            <a:extLst>
+              <a:ext uri="{FF2B5EF4-FFF2-40B4-BE49-F238E27FC236}">
+                <a16:creationId xmlns:a16="http://schemas.microsoft.com/office/drawing/2014/main" id="{AF340B14-BC09-48A5-94A8-548A0BAB31AA}"/>
+              </a:ext>
+            </a:extLst>
+          </p:cNvPr>
+          <p:cNvSpPr/>
+          <p:nvPr/>
+        </p:nvSpPr>
+        <p:spPr>
+          <a:xfrm>
+            <a:off x="11262591" y="2815661"/>
+            <a:ext cx="276242" cy="276242"/>
+          </a:xfrm>
+          <a:prstGeom prst="ellipse">
+            <a:avLst/>
+          </a:prstGeom>
+          <a:solidFill>
+            <a:schemeClr val="bg1">
+              <a:lumMod val="50000"/>
+              <a:lumOff val="50000"/>
+            </a:schemeClr>
+          </a:solidFill>
+          <a:ln>
+            <a:noFill/>
+          </a:ln>
+        </p:spPr>
+        <p:style>
+          <a:lnRef idx="2">
+            <a:schemeClr val="accent1">
+              <a:shade val="50000"/>
+            </a:schemeClr>
+          </a:lnRef>
+          <a:fillRef idx="1">
+            <a:schemeClr val="accent1"/>
+          </a:fillRef>
+          <a:effectRef idx="0">
+            <a:schemeClr val="accent1"/>
+          </a:effectRef>
+          <a:fontRef idx="minor">
+            <a:schemeClr val="lt1"/>
+          </a:fontRef>
+        </p:style>
+        <p:txBody>
+          <a:bodyPr rtlCol="0" anchor="ctr"/>
+          <a:lstStyle/>
+          <a:p>
+            <a:pPr algn="ctr"/>
+            <a:endParaRPr lang="en-US"/>
+          </a:p>
+        </p:txBody>
+      </p:sp>
+      <p:sp>
+        <p:nvSpPr>
+          <p:cNvPr id="35" name="Oval 34">
+            <a:extLst>
+              <a:ext uri="{FF2B5EF4-FFF2-40B4-BE49-F238E27FC236}">
+                <a16:creationId xmlns:a16="http://schemas.microsoft.com/office/drawing/2014/main" id="{66947C11-AD15-472A-BBC1-02B8B81E72FA}"/>
+              </a:ext>
+            </a:extLst>
+          </p:cNvPr>
+          <p:cNvSpPr/>
+          <p:nvPr/>
+        </p:nvSpPr>
+        <p:spPr>
+          <a:xfrm>
+            <a:off x="11686934" y="3063900"/>
+            <a:ext cx="276242" cy="276242"/>
+          </a:xfrm>
+          <a:prstGeom prst="ellipse">
+            <a:avLst/>
+          </a:prstGeom>
+          <a:solidFill>
+            <a:schemeClr val="bg1">
+              <a:lumMod val="50000"/>
+              <a:lumOff val="50000"/>
+            </a:schemeClr>
+          </a:solidFill>
+          <a:ln>
+            <a:noFill/>
+          </a:ln>
+        </p:spPr>
+        <p:style>
+          <a:lnRef idx="2">
+            <a:schemeClr val="accent1">
+              <a:shade val="50000"/>
+            </a:schemeClr>
+          </a:lnRef>
+          <a:fillRef idx="1">
+            <a:schemeClr val="accent1"/>
+          </a:fillRef>
+          <a:effectRef idx="0">
+            <a:schemeClr val="accent1"/>
+          </a:effectRef>
+          <a:fontRef idx="minor">
+            <a:schemeClr val="lt1"/>
+          </a:fontRef>
+        </p:style>
+        <p:txBody>
+          <a:bodyPr rtlCol="0" anchor="ctr"/>
+          <a:lstStyle/>
+          <a:p>
+            <a:pPr algn="ctr"/>
+            <a:endParaRPr lang="en-US"/>
           </a:p>
         </p:txBody>
       </p:sp>
     </p:spTree>
     <p:extLst>
       <p:ext uri="{BB962C8B-B14F-4D97-AF65-F5344CB8AC3E}">
-        <p14:creationId xmlns:p14="http://schemas.microsoft.com/office/powerpoint/2010/main" val="1490137706"/>
+        <p14:creationId xmlns:p14="http://schemas.microsoft.com/office/powerpoint/2010/main" val="239204457"/>
       </p:ext>
     </p:extLst>
   </p:cSld>
@@ -23037,7 +25041,7 @@
 <file path=ppt/theme/theme1.xml><?xml version="1.0" encoding="utf-8"?>
 <a:theme xmlns:a="http://schemas.openxmlformats.org/drawingml/2006/main" name="Office Theme">
   <a:themeElements>
-    <a:clrScheme name="Blue II">
+    <a:clrScheme name="Median">
       <a:dk1>
         <a:sysClr val="windowText" lastClr="000000"/>
       </a:dk1>
@@ -23045,34 +25049,34 @@
         <a:sysClr val="window" lastClr="FFFFFF"/>
       </a:lt1>
       <a:dk2>
-        <a:srgbClr val="335B74"/>
+        <a:srgbClr val="775F55"/>
       </a:dk2>
       <a:lt2>
-        <a:srgbClr val="DFE3E5"/>
+        <a:srgbClr val="EBDDC3"/>
       </a:lt2>
       <a:accent1>
-        <a:srgbClr val="1CADE4"/>
+        <a:srgbClr val="94B6D2"/>
       </a:accent1>
       <a:accent2>
-        <a:srgbClr val="2683C6"/>
+        <a:srgbClr val="DD8047"/>
       </a:accent2>
       <a:accent3>
-        <a:srgbClr val="27CED7"/>
+        <a:srgbClr val="A5AB81"/>
       </a:accent3>
       <a:accent4>
-        <a:srgbClr val="42BA97"/>
+        <a:srgbClr val="D8B25C"/>
       </a:accent4>
       <a:accent5>
-        <a:srgbClr val="3E8853"/>
+        <a:srgbClr val="7BA79D"/>
       </a:accent5>
       <a:accent6>
-        <a:srgbClr val="62A39F"/>
+        <a:srgbClr val="968C8C"/>
       </a:accent6>
       <a:hlink>
-        <a:srgbClr val="6EAC1C"/>
+        <a:srgbClr val="F7B615"/>
       </a:hlink>
       <a:folHlink>
-        <a:srgbClr val="B26B02"/>
+        <a:srgbClr val="704404"/>
       </a:folHlink>
     </a:clrScheme>
     <a:fontScheme name="Source Sans Pro">
